--- a/8-Resources/8-Resources.pptx
+++ b/8-Resources/8-Resources.pptx
@@ -486,7 +486,7 @@
             <a:fld id="{B1986778-4955-48BF-B9A5-723767A6F1B2}" type="datetimeFigureOut">
               <a:rPr lang="en-US" smtClean="0"/>
               <a:pPr/>
-              <a:t>1/31/2017</a:t>
+              <a:t>2/2/2017</a:t>
             </a:fld>
             <a:endParaRPr lang="en-GB" dirty="0"/>
           </a:p>
@@ -5658,8 +5658,13 @@
             </a:pPr>
             <a:r>
               <a:rPr lang="en-GB" sz="2000" dirty="0"/>
-              <a:t>2. Python Scientific Stack</a:t>
-            </a:r>
+              <a:t>2. Python </a:t>
+            </a:r>
+            <a:r>
+              <a:rPr lang="en-GB" sz="2000" dirty="0" smtClean="0"/>
+              <a:t>Open Data Science Stack</a:t>
+            </a:r>
+            <a:endParaRPr lang="en-GB" sz="2000" dirty="0"/>
           </a:p>
           <a:p>
             <a:pPr marL="0" indent="0">
@@ -5669,10 +5674,16 @@
               <a:rPr lang="en-GB" sz="2000" dirty="0">
                 <a:hlinkClick r:id="rId3"/>
               </a:rPr>
-              <a:t>https://www.scipy.org/index.html</a:t>
-            </a:r>
-            <a:r>
-              <a:rPr lang="en-GB" sz="2000" dirty="0"/>
+              <a:t>http://</a:t>
+            </a:r>
+            <a:r>
+              <a:rPr lang="en-GB" sz="2000" dirty="0" smtClean="0">
+                <a:hlinkClick r:id="rId3"/>
+              </a:rPr>
+              <a:t>pydata.org/downloads.html</a:t>
+            </a:r>
+            <a:r>
+              <a:rPr lang="en-GB" sz="2000" dirty="0" smtClean="0"/>
               <a:t> </a:t>
             </a:r>
           </a:p>
@@ -8372,6 +8383,14 @@
                 </a:solidFill>
               </a:rPr>
             </a:br>
+            <a:r>
+              <a:rPr lang="en-US" dirty="0">
+                <a:solidFill>
+                  <a:schemeClr val="tx1"/>
+                </a:solidFill>
+              </a:rPr>
+              <a:t/>
+            </a:r>
             <a:br>
               <a:rPr lang="en-US" dirty="0">
                 <a:solidFill>

--- a/8-Resources/8-Resources.pptx
+++ b/8-Resources/8-Resources.pptx
@@ -5,10 +5,10 @@
     <p:sldMasterId id="2147483649" r:id="rId1"/>
   </p:sldMasterIdLst>
   <p:notesMasterIdLst>
-    <p:notesMasterId r:id="rId26"/>
+    <p:notesMasterId r:id="rId27"/>
   </p:notesMasterIdLst>
   <p:handoutMasterIdLst>
-    <p:handoutMasterId r:id="rId27"/>
+    <p:handoutMasterId r:id="rId28"/>
   </p:handoutMasterIdLst>
   <p:sldIdLst>
     <p:sldId id="256" r:id="rId2"/>
@@ -32,9 +32,10 @@
     <p:sldId id="273" r:id="rId20"/>
     <p:sldId id="267" r:id="rId21"/>
     <p:sldId id="268" r:id="rId22"/>
-    <p:sldId id="269" r:id="rId23"/>
-    <p:sldId id="272" r:id="rId24"/>
-    <p:sldId id="283" r:id="rId25"/>
+    <p:sldId id="284" r:id="rId23"/>
+    <p:sldId id="269" r:id="rId24"/>
+    <p:sldId id="272" r:id="rId25"/>
+    <p:sldId id="283" r:id="rId26"/>
   </p:sldIdLst>
   <p:sldSz cx="9144000" cy="6858000" type="screen4x3"/>
   <p:notesSz cx="7099300" cy="10234613"/>
@@ -6838,8 +6839,13 @@
           <a:p>
             <a:r>
               <a:rPr lang="en-US" dirty="0"/>
-              <a:t>Where do the data come from?  What are the potential biases/limitations of that source? </a:t>
-            </a:r>
+              <a:t>Where do the data come from?  What are the potential biases/limitations of </a:t>
+            </a:r>
+            <a:r>
+              <a:rPr lang="en-US" dirty="0" smtClean="0"/>
+              <a:t>these data? </a:t>
+            </a:r>
+            <a:endParaRPr lang="en-US" dirty="0"/>
           </a:p>
           <a:p>
             <a:r>
@@ -7988,6 +7994,230 @@
             <p:ph type="title"/>
           </p:nvPr>
         </p:nvSpPr>
+        <p:spPr>
+          <a:xfrm>
+            <a:off x="330200" y="751297"/>
+            <a:ext cx="8489950" cy="540730"/>
+          </a:xfrm>
+        </p:spPr>
+        <p:txBody>
+          <a:bodyPr/>
+          <a:lstStyle/>
+          <a:p>
+            <a:pPr marL="0" indent="0">
+              <a:buNone/>
+            </a:pPr>
+            <a:r>
+              <a:rPr lang="en-US" dirty="0"/>
+              <a:t>IMVAIN Source Reliability Checklist</a:t>
+            </a:r>
+          </a:p>
+        </p:txBody>
+      </p:sp>
+      <p:sp>
+        <p:nvSpPr>
+          <p:cNvPr id="3" name="Content Placeholder 2"/>
+          <p:cNvSpPr>
+            <a:spLocks noGrp="1"/>
+          </p:cNvSpPr>
+          <p:nvPr>
+            <p:ph idx="1"/>
+          </p:nvPr>
+        </p:nvSpPr>
+        <p:spPr>
+          <a:xfrm>
+            <a:off x="330200" y="1583794"/>
+            <a:ext cx="8489950" cy="4994698"/>
+          </a:xfrm>
+        </p:spPr>
+        <p:txBody>
+          <a:bodyPr/>
+          <a:lstStyle/>
+          <a:p>
+            <a:r>
+              <a:rPr lang="en-US" sz="2400" b="1" dirty="0" smtClean="0"/>
+              <a:t>Independent</a:t>
+            </a:r>
+            <a:r>
+              <a:rPr lang="en-US" sz="2400" dirty="0" smtClean="0"/>
+              <a:t> </a:t>
+            </a:r>
+            <a:r>
+              <a:rPr lang="en-US" sz="2400" dirty="0"/>
+              <a:t>sources are preferable to self-interested sources.</a:t>
+            </a:r>
+          </a:p>
+          <a:p>
+            <a:r>
+              <a:rPr lang="en-US" sz="2400" b="1" dirty="0"/>
+              <a:t>Multiple</a:t>
+            </a:r>
+            <a:r>
+              <a:rPr lang="en-US" sz="2400" dirty="0"/>
+              <a:t> sources are preferable to a report based on a single source.</a:t>
+            </a:r>
+          </a:p>
+          <a:p>
+            <a:r>
+              <a:rPr lang="en-US" sz="2400" dirty="0"/>
+              <a:t>Sources who </a:t>
+            </a:r>
+            <a:r>
+              <a:rPr lang="en-US" sz="2400" b="1" dirty="0"/>
+              <a:t>Verify</a:t>
+            </a:r>
+            <a:r>
+              <a:rPr lang="en-US" sz="2400" dirty="0"/>
+              <a:t> or provide verifiable information are preferable to those who merely assert.</a:t>
+            </a:r>
+          </a:p>
+          <a:p>
+            <a:r>
+              <a:rPr lang="en-US" sz="2400" b="1" dirty="0"/>
+              <a:t>Authoritative</a:t>
+            </a:r>
+            <a:r>
+              <a:rPr lang="en-US" sz="2400" dirty="0"/>
+              <a:t> and/or </a:t>
+            </a:r>
+            <a:r>
+              <a:rPr lang="en-US" sz="2400" b="1" dirty="0"/>
+              <a:t>Informed</a:t>
+            </a:r>
+            <a:r>
+              <a:rPr lang="en-US" sz="2400" dirty="0"/>
+              <a:t> sources are preferable to sources who are uninformed or lack authoritative background.</a:t>
+            </a:r>
+          </a:p>
+          <a:p>
+            <a:r>
+              <a:rPr lang="en-US" sz="2400" b="1" dirty="0"/>
+              <a:t>Named</a:t>
+            </a:r>
+            <a:r>
+              <a:rPr lang="en-US" sz="2400" dirty="0"/>
+              <a:t> sources are better than anonymous ones</a:t>
+            </a:r>
+            <a:r>
+              <a:rPr lang="en-US" sz="2400" dirty="0" smtClean="0"/>
+              <a:t>.</a:t>
+            </a:r>
+            <a:endParaRPr lang="en-US" sz="2400" dirty="0"/>
+          </a:p>
+        </p:txBody>
+      </p:sp>
+      <p:sp>
+        <p:nvSpPr>
+          <p:cNvPr id="4" name="Slide Number Placeholder 3"/>
+          <p:cNvSpPr>
+            <a:spLocks noGrp="1"/>
+          </p:cNvSpPr>
+          <p:nvPr>
+            <p:ph type="sldNum" sz="quarter" idx="10"/>
+          </p:nvPr>
+        </p:nvSpPr>
+        <p:spPr/>
+        <p:txBody>
+          <a:bodyPr/>
+          <a:lstStyle/>
+          <a:p>
+            <a:pPr algn="ctr"/>
+            <a:fld id="{DB5A3A47-29A7-45E5-923E-10FF85749154}" type="slidenum">
+              <a:rPr lang="en-GB" smtClean="0"/>
+              <a:pPr algn="ctr"/>
+              <a:t>22</a:t>
+            </a:fld>
+            <a:endParaRPr lang="en-GB" dirty="0"/>
+          </a:p>
+        </p:txBody>
+      </p:sp>
+      <p:sp>
+        <p:nvSpPr>
+          <p:cNvPr id="5" name="TextBox 4"/>
+          <p:cNvSpPr txBox="1"/>
+          <p:nvPr/>
+        </p:nvSpPr>
+        <p:spPr>
+          <a:xfrm>
+            <a:off x="330200" y="5800392"/>
+            <a:ext cx="8489950" cy="738664"/>
+          </a:xfrm>
+          <a:prstGeom prst="rect">
+            <a:avLst/>
+          </a:prstGeom>
+          <a:noFill/>
+        </p:spPr>
+        <p:txBody>
+          <a:bodyPr wrap="square" rtlCol="0">
+            <a:spAutoFit/>
+          </a:bodyPr>
+          <a:lstStyle/>
+          <a:p>
+            <a:r>
+              <a:rPr lang="en-US" sz="1400" dirty="0"/>
+              <a:t>R. O’Connor, “Practical Tools for Teaching News Literacy,” </a:t>
+            </a:r>
+            <a:r>
+              <a:rPr lang="en-US" sz="1400" i="1" dirty="0"/>
+              <a:t>The Learning Network - Teaching and Learning with the New York Times</a:t>
+            </a:r>
+            <a:r>
+              <a:rPr lang="en-US" sz="1400" dirty="0"/>
+              <a:t>, 08-Oct-2014. </a:t>
+            </a:r>
+            <a:r>
+              <a:rPr lang="en-US" sz="1400" u="sng" dirty="0">
+                <a:hlinkClick r:id="rId2"/>
+              </a:rPr>
+              <a:t>https://learning.blogs.nytimes.com/2014/10/08/guest-post-practical-tools-for-teaching-news-literacy/</a:t>
+            </a:r>
+            <a:r>
+              <a:rPr lang="en-US" sz="1400" dirty="0"/>
+              <a:t> </a:t>
+            </a:r>
+          </a:p>
+        </p:txBody>
+      </p:sp>
+    </p:spTree>
+    <p:extLst>
+      <p:ext uri="{BB962C8B-B14F-4D97-AF65-F5344CB8AC3E}">
+        <p14:creationId xmlns:p14="http://schemas.microsoft.com/office/powerpoint/2010/main" val="1302584380"/>
+      </p:ext>
+    </p:extLst>
+  </p:cSld>
+  <p:clrMapOvr>
+    <a:masterClrMapping/>
+  </p:clrMapOvr>
+</p:sld>
+</file>
+
+<file path=ppt/slides/slide23.xml><?xml version="1.0" encoding="utf-8"?>
+<p:sld xmlns:a="http://schemas.openxmlformats.org/drawingml/2006/main" xmlns:r="http://schemas.openxmlformats.org/officeDocument/2006/relationships" xmlns:p="http://schemas.openxmlformats.org/presentationml/2006/main">
+  <p:cSld>
+    <p:spTree>
+      <p:nvGrpSpPr>
+        <p:cNvPr id="1" name=""/>
+        <p:cNvGrpSpPr/>
+        <p:nvPr/>
+      </p:nvGrpSpPr>
+      <p:grpSpPr>
+        <a:xfrm>
+          <a:off x="0" y="0"/>
+          <a:ext cx="0" cy="0"/>
+          <a:chOff x="0" y="0"/>
+          <a:chExt cx="0" cy="0"/>
+        </a:xfrm>
+      </p:grpSpPr>
+      <p:sp>
+        <p:nvSpPr>
+          <p:cNvPr id="2" name="Title 1"/>
+          <p:cNvSpPr>
+            <a:spLocks noGrp="1"/>
+          </p:cNvSpPr>
+          <p:nvPr>
+            <p:ph type="title"/>
+          </p:nvPr>
+        </p:nvSpPr>
         <p:spPr/>
         <p:txBody>
           <a:bodyPr/>
@@ -8048,7 +8278,7 @@
             <a:fld id="{DB5A3A47-29A7-45E5-923E-10FF85749154}" type="slidenum">
               <a:rPr lang="en-GB" smtClean="0"/>
               <a:pPr algn="ctr"/>
-              <a:t>22</a:t>
+              <a:t>23</a:t>
             </a:fld>
             <a:endParaRPr lang="en-GB" dirty="0"/>
           </a:p>
@@ -8223,7 +8453,7 @@
 </p:sld>
 </file>
 
-<file path=ppt/slides/slide23.xml><?xml version="1.0" encoding="utf-8"?>
+<file path=ppt/slides/slide24.xml><?xml version="1.0" encoding="utf-8"?>
 <p:sld xmlns:a="http://schemas.openxmlformats.org/drawingml/2006/main" xmlns:r="http://schemas.openxmlformats.org/officeDocument/2006/relationships" xmlns:p="http://schemas.openxmlformats.org/presentationml/2006/main">
   <p:cSld>
     <p:spTree>
@@ -8311,7 +8541,7 @@
             <a:fld id="{DB5A3A47-29A7-45E5-923E-10FF85749154}" type="slidenum">
               <a:rPr lang="en-GB" smtClean="0"/>
               <a:pPr algn="ctr"/>
-              <a:t>23</a:t>
+              <a:t>24</a:t>
             </a:fld>
             <a:endParaRPr lang="en-GB" dirty="0"/>
           </a:p>
@@ -8330,7 +8560,7 @@
 </p:sld>
 </file>
 
-<file path=ppt/slides/slide24.xml><?xml version="1.0" encoding="utf-8"?>
+<file path=ppt/slides/slide25.xml><?xml version="1.0" encoding="utf-8"?>
 <p:sld xmlns:a="http://schemas.openxmlformats.org/drawingml/2006/main" xmlns:r="http://schemas.openxmlformats.org/officeDocument/2006/relationships" xmlns:p="http://schemas.openxmlformats.org/presentationml/2006/main">
   <p:cSld>
     <p:spTree>

--- a/8-Resources/8-Resources.pptx
+++ b/8-Resources/8-Resources.pptx
@@ -34,7 +34,7 @@
     <p:sldId id="268" r:id="rId22"/>
     <p:sldId id="284" r:id="rId23"/>
     <p:sldId id="269" r:id="rId24"/>
-    <p:sldId id="272" r:id="rId25"/>
+    <p:sldId id="285" r:id="rId25"/>
     <p:sldId id="283" r:id="rId26"/>
   </p:sldIdLst>
   <p:sldSz cx="9144000" cy="6858000" type="screen4x3"/>
@@ -487,7 +487,7 @@
             <a:fld id="{B1986778-4955-48BF-B9A5-723767A6F1B2}" type="datetimeFigureOut">
               <a:rPr lang="en-US" smtClean="0"/>
               <a:pPr/>
-              <a:t>2/2/2017</a:t>
+              <a:t>2/3/2017</a:t>
             </a:fld>
             <a:endParaRPr lang="en-GB" dirty="0"/>
           </a:p>
@@ -4364,6 +4364,13 @@
   <p:clrMapOvr>
     <a:masterClrMapping/>
   </p:clrMapOvr>
+  <p:timing>
+    <p:tnLst>
+      <p:par>
+        <p:cTn id="1" dur="indefinite" restart="never" nodeType="tmRoot"/>
+      </p:par>
+    </p:tnLst>
+  </p:timing>
 </p:sld>
 </file>
 
@@ -8188,6 +8195,13 @@
   <p:clrMapOvr>
     <a:masterClrMapping/>
   </p:clrMapOvr>
+  <p:timing>
+    <p:tnLst>
+      <p:par>
+        <p:cTn id="1" dur="indefinite" restart="never" nodeType="tmRoot"/>
+      </p:par>
+    </p:tnLst>
+  </p:timing>
 </p:sld>
 </file>
 
@@ -8487,41 +8501,37 @@
           <a:p>
             <a:r>
               <a:rPr lang="en-US" dirty="0"/>
-              <a:t>Sorting through the noise…</a:t>
-            </a:r>
-          </a:p>
-        </p:txBody>
-      </p:sp>
-      <p:sp>
-        <p:nvSpPr>
-          <p:cNvPr id="3" name="Content Placeholder 2"/>
-          <p:cNvSpPr>
-            <a:spLocks noGrp="1"/>
-          </p:cNvSpPr>
+              <a:t>INFO 198, University of Washington</a:t>
+            </a:r>
+          </a:p>
+        </p:txBody>
+      </p:sp>
+      <p:pic>
+        <p:nvPicPr>
+          <p:cNvPr id="5" name="Content Placeholder 4"/>
+          <p:cNvPicPr>
+            <a:picLocks noGrp="1" noChangeAspect="1"/>
+          </p:cNvPicPr>
           <p:nvPr>
             <p:ph idx="1"/>
           </p:nvPr>
-        </p:nvSpPr>
+        </p:nvPicPr>
+        <p:blipFill>
+          <a:blip r:embed="rId2"/>
+          <a:stretch>
+            <a:fillRect/>
+          </a:stretch>
+        </p:blipFill>
         <p:spPr>
           <a:xfrm>
-            <a:off x="330200" y="2708920"/>
-            <a:ext cx="8489950" cy="3628380"/>
+            <a:off x="1432278" y="1359104"/>
+            <a:ext cx="6285793" cy="5129713"/>
           </a:xfrm>
+          <a:prstGeom prst="rect">
+            <a:avLst/>
+          </a:prstGeom>
         </p:spPr>
-        <p:txBody>
-          <a:bodyPr/>
-          <a:lstStyle/>
-          <a:p>
-            <a:pPr marL="0" indent="0">
-              <a:buNone/>
-            </a:pPr>
-            <a:r>
-              <a:rPr lang="en-US" dirty="0"/>
-              <a:t>This is important!  We will come back to it with more strategies later in the course.  </a:t>
-            </a:r>
-          </a:p>
-        </p:txBody>
-      </p:sp>
+      </p:pic>
       <p:sp>
         <p:nvSpPr>
           <p:cNvPr id="4" name="Slide Number Placeholder 3"/>
@@ -8547,16 +8557,162 @@
           </a:p>
         </p:txBody>
       </p:sp>
+      <p:sp>
+        <p:nvSpPr>
+          <p:cNvPr id="6" name="Rectangle 5"/>
+          <p:cNvSpPr/>
+          <p:nvPr/>
+        </p:nvSpPr>
+        <p:spPr>
+          <a:xfrm>
+            <a:off x="6552220" y="6209159"/>
+            <a:ext cx="2782574" cy="369332"/>
+          </a:xfrm>
+          <a:prstGeom prst="rect">
+            <a:avLst/>
+          </a:prstGeom>
+        </p:spPr>
+        <p:txBody>
+          <a:bodyPr wrap="square">
+            <a:spAutoFit/>
+          </a:bodyPr>
+          <a:lstStyle/>
+          <a:p>
+            <a:r>
+              <a:rPr lang="en-US" dirty="0">
+                <a:hlinkClick r:id="rId3"/>
+              </a:rPr>
+              <a:t>http://</a:t>
+            </a:r>
+            <a:r>
+              <a:rPr lang="en-US" dirty="0" smtClean="0">
+                <a:hlinkClick r:id="rId3"/>
+              </a:rPr>
+              <a:t>callingbullshit.org</a:t>
+            </a:r>
+            <a:r>
+              <a:rPr lang="en-US" dirty="0" smtClean="0"/>
+              <a:t> </a:t>
+            </a:r>
+            <a:endParaRPr lang="en-US" dirty="0"/>
+          </a:p>
+        </p:txBody>
+      </p:sp>
     </p:spTree>
     <p:extLst>
       <p:ext uri="{BB962C8B-B14F-4D97-AF65-F5344CB8AC3E}">
-        <p14:creationId xmlns:p14="http://schemas.microsoft.com/office/powerpoint/2010/main" val="3345812395"/>
+        <p14:creationId xmlns:p14="http://schemas.microsoft.com/office/powerpoint/2010/main" val="2708784801"/>
       </p:ext>
     </p:extLst>
   </p:cSld>
   <p:clrMapOvr>
     <a:masterClrMapping/>
   </p:clrMapOvr>
+  <p:timing>
+    <p:tnLst>
+      <p:par>
+        <p:cTn id="1" dur="indefinite" restart="never" nodeType="tmRoot">
+          <p:childTnLst>
+            <p:seq concurrent="1" nextAc="seek">
+              <p:cTn id="2" dur="indefinite" nodeType="mainSeq">
+                <p:childTnLst>
+                  <p:par>
+                    <p:cTn id="3" fill="hold">
+                      <p:stCondLst>
+                        <p:cond delay="indefinite"/>
+                      </p:stCondLst>
+                      <p:childTnLst>
+                        <p:par>
+                          <p:cTn id="4" fill="hold">
+                            <p:stCondLst>
+                              <p:cond delay="0"/>
+                            </p:stCondLst>
+                            <p:childTnLst>
+                              <p:par>
+                                <p:cTn id="5" presetID="1" presetClass="entr" presetSubtype="0" fill="hold" nodeType="clickEffect">
+                                  <p:stCondLst>
+                                    <p:cond delay="0"/>
+                                  </p:stCondLst>
+                                  <p:childTnLst>
+                                    <p:set>
+                                      <p:cBhvr>
+                                        <p:cTn id="6" dur="1" fill="hold">
+                                          <p:stCondLst>
+                                            <p:cond delay="0"/>
+                                          </p:stCondLst>
+                                        </p:cTn>
+                                        <p:tgtEl>
+                                          <p:spTgt spid="5"/>
+                                        </p:tgtEl>
+                                        <p:attrNameLst>
+                                          <p:attrName>style.visibility</p:attrName>
+                                        </p:attrNameLst>
+                                      </p:cBhvr>
+                                      <p:to>
+                                        <p:strVal val="visible"/>
+                                      </p:to>
+                                    </p:set>
+                                  </p:childTnLst>
+                                </p:cTn>
+                              </p:par>
+                              <p:par>
+                                <p:cTn id="7" presetID="1" presetClass="entr" presetSubtype="0" fill="hold" grpId="0" nodeType="withEffect">
+                                  <p:stCondLst>
+                                    <p:cond delay="0"/>
+                                  </p:stCondLst>
+                                  <p:childTnLst>
+                                    <p:set>
+                                      <p:cBhvr>
+                                        <p:cTn id="8" dur="1" fill="hold">
+                                          <p:stCondLst>
+                                            <p:cond delay="0"/>
+                                          </p:stCondLst>
+                                        </p:cTn>
+                                        <p:tgtEl>
+                                          <p:spTgt spid="6"/>
+                                        </p:tgtEl>
+                                        <p:attrNameLst>
+                                          <p:attrName>style.visibility</p:attrName>
+                                        </p:attrNameLst>
+                                      </p:cBhvr>
+                                      <p:to>
+                                        <p:strVal val="visible"/>
+                                      </p:to>
+                                    </p:set>
+                                  </p:childTnLst>
+                                </p:cTn>
+                              </p:par>
+                            </p:childTnLst>
+                          </p:cTn>
+                        </p:par>
+                      </p:childTnLst>
+                    </p:cTn>
+                  </p:par>
+                </p:childTnLst>
+              </p:cTn>
+              <p:prevCondLst>
+                <p:cond evt="onPrev" delay="0">
+                  <p:tgtEl>
+                    <p:sldTgt/>
+                  </p:tgtEl>
+                </p:cond>
+              </p:prevCondLst>
+              <p:nextCondLst>
+                <p:cond evt="onNext" delay="0">
+                  <p:tgtEl>
+                    <p:sldTgt/>
+                  </p:tgtEl>
+                </p:cond>
+              </p:nextCondLst>
+            </p:seq>
+          </p:childTnLst>
+        </p:cTn>
+      </p:par>
+    </p:tnLst>
+    <p:bldLst>
+      <p:bldP spid="6" grpId="0"/>
+    </p:bldLst>
+  </p:timing>
 </p:sld>
 </file>
 
@@ -8671,6 +8827,13 @@
   <p:clrMapOvr>
     <a:masterClrMapping/>
   </p:clrMapOvr>
+  <p:timing>
+    <p:tnLst>
+      <p:par>
+        <p:cTn id="1" dur="indefinite" restart="never" nodeType="tmRoot"/>
+      </p:par>
+    </p:tnLst>
+  </p:timing>
 </p:sld>
 </file>
 

--- a/8-Resources/8-Resources.pptx
+++ b/8-Resources/8-Resources.pptx
@@ -5,10 +5,10 @@
     <p:sldMasterId id="2147483649" r:id="rId1"/>
   </p:sldMasterIdLst>
   <p:notesMasterIdLst>
-    <p:notesMasterId r:id="rId27"/>
+    <p:notesMasterId r:id="rId26"/>
   </p:notesMasterIdLst>
   <p:handoutMasterIdLst>
-    <p:handoutMasterId r:id="rId28"/>
+    <p:handoutMasterId r:id="rId27"/>
   </p:handoutMasterIdLst>
   <p:sldIdLst>
     <p:sldId id="256" r:id="rId2"/>
@@ -35,7 +35,6 @@
     <p:sldId id="284" r:id="rId23"/>
     <p:sldId id="269" r:id="rId24"/>
     <p:sldId id="285" r:id="rId25"/>
-    <p:sldId id="283" r:id="rId26"/>
   </p:sldIdLst>
   <p:sldSz cx="9144000" cy="6858000" type="screen4x3"/>
   <p:notesSz cx="7099300" cy="10234613"/>
@@ -487,7 +486,7 @@
             <a:fld id="{B1986778-4955-48BF-B9A5-723767A6F1B2}" type="datetimeFigureOut">
               <a:rPr lang="en-US" smtClean="0"/>
               <a:pPr/>
-              <a:t>2/3/2017</a:t>
+              <a:t>2/8/2017</a:t>
             </a:fld>
             <a:endParaRPr lang="en-GB" dirty="0"/>
           </a:p>
@@ -4364,13 +4363,6 @@
   <p:clrMapOvr>
     <a:masterClrMapping/>
   </p:clrMapOvr>
-  <p:timing>
-    <p:tnLst>
-      <p:par>
-        <p:cTn id="1" dur="indefinite" restart="never" nodeType="tmRoot"/>
-      </p:par>
-    </p:tnLst>
-  </p:timing>
 </p:sld>
 </file>
 
@@ -5666,13 +5658,8 @@
             </a:pPr>
             <a:r>
               <a:rPr lang="en-GB" sz="2000" dirty="0"/>
-              <a:t>2. Python </a:t>
-            </a:r>
-            <a:r>
-              <a:rPr lang="en-GB" sz="2000" dirty="0" smtClean="0"/>
-              <a:t>Open Data Science Stack</a:t>
-            </a:r>
-            <a:endParaRPr lang="en-GB" sz="2000" dirty="0"/>
+              <a:t>2. Python Open Data Science Stack</a:t>
+            </a:r>
           </a:p>
           <a:p>
             <a:pPr marL="0" indent="0">
@@ -5682,16 +5669,10 @@
               <a:rPr lang="en-GB" sz="2000" dirty="0">
                 <a:hlinkClick r:id="rId3"/>
               </a:rPr>
-              <a:t>http://</a:t>
-            </a:r>
-            <a:r>
-              <a:rPr lang="en-GB" sz="2000" dirty="0" smtClean="0">
-                <a:hlinkClick r:id="rId3"/>
-              </a:rPr>
-              <a:t>pydata.org/downloads.html</a:t>
-            </a:r>
-            <a:r>
-              <a:rPr lang="en-GB" sz="2000" dirty="0" smtClean="0"/>
+              <a:t>http://pydata.org/downloads.html</a:t>
+            </a:r>
+            <a:r>
+              <a:rPr lang="en-GB" sz="2000" dirty="0"/>
               <a:t> </a:t>
             </a:r>
           </a:p>
@@ -6846,13 +6827,8 @@
           <a:p>
             <a:r>
               <a:rPr lang="en-US" dirty="0"/>
-              <a:t>Where do the data come from?  What are the potential biases/limitations of </a:t>
-            </a:r>
-            <a:r>
-              <a:rPr lang="en-US" dirty="0" smtClean="0"/>
-              <a:t>these data? </a:t>
-            </a:r>
-            <a:endParaRPr lang="en-US" dirty="0"/>
+              <a:t>Where do the data come from?  What are the potential biases/limitations of these data? </a:t>
+            </a:r>
           </a:p>
           <a:p>
             <a:r>
@@ -8042,16 +8018,12 @@
           <a:lstStyle/>
           <a:p>
             <a:r>
-              <a:rPr lang="en-US" sz="2400" b="1" dirty="0" smtClean="0"/>
+              <a:rPr lang="en-US" sz="2400" b="1" dirty="0"/>
               <a:t>Independent</a:t>
             </a:r>
             <a:r>
-              <a:rPr lang="en-US" sz="2400" dirty="0" smtClean="0"/>
-              <a:t> </a:t>
-            </a:r>
-            <a:r>
               <a:rPr lang="en-US" sz="2400" dirty="0"/>
-              <a:t>sources are preferable to self-interested sources.</a:t>
+              <a:t> sources are preferable to self-interested sources.</a:t>
             </a:r>
           </a:p>
           <a:p>
@@ -8103,13 +8075,8 @@
             </a:r>
             <a:r>
               <a:rPr lang="en-US" sz="2400" dirty="0"/>
-              <a:t> sources are better than anonymous ones</a:t>
-            </a:r>
-            <a:r>
-              <a:rPr lang="en-US" sz="2400" dirty="0" smtClean="0"/>
-              <a:t>.</a:t>
-            </a:r>
-            <a:endParaRPr lang="en-US" sz="2400" dirty="0"/>
+              <a:t> sources are better than anonymous ones.</a:t>
+            </a:r>
           </a:p>
         </p:txBody>
       </p:sp>
@@ -8195,13 +8162,6 @@
   <p:clrMapOvr>
     <a:masterClrMapping/>
   </p:clrMapOvr>
-  <p:timing>
-    <p:tnLst>
-      <p:par>
-        <p:cTn id="1" dur="indefinite" restart="never" nodeType="tmRoot"/>
-      </p:par>
-    </p:tnLst>
-  </p:timing>
 </p:sld>
 </file>
 
@@ -8582,19 +8542,12 @@
               <a:rPr lang="en-US" dirty="0">
                 <a:hlinkClick r:id="rId3"/>
               </a:rPr>
-              <a:t>http://</a:t>
-            </a:r>
-            <a:r>
-              <a:rPr lang="en-US" dirty="0" smtClean="0">
-                <a:hlinkClick r:id="rId3"/>
-              </a:rPr>
-              <a:t>callingbullshit.org</a:t>
-            </a:r>
-            <a:r>
-              <a:rPr lang="en-US" dirty="0" smtClean="0"/>
+              <a:t>http://callingbullshit.org</a:t>
+            </a:r>
+            <a:r>
+              <a:rPr lang="en-US" dirty="0"/>
               <a:t> </a:t>
             </a:r>
-            <a:endParaRPr lang="en-US" dirty="0"/>
           </a:p>
         </p:txBody>
       </p:sp>
@@ -8712,127 +8665,6 @@
     <p:bldLst>
       <p:bldP spid="6" grpId="0"/>
     </p:bldLst>
-  </p:timing>
-</p:sld>
-</file>
-
-<file path=ppt/slides/slide25.xml><?xml version="1.0" encoding="utf-8"?>
-<p:sld xmlns:a="http://schemas.openxmlformats.org/drawingml/2006/main" xmlns:r="http://schemas.openxmlformats.org/officeDocument/2006/relationships" xmlns:p="http://schemas.openxmlformats.org/presentationml/2006/main">
-  <p:cSld>
-    <p:spTree>
-      <p:nvGrpSpPr>
-        <p:cNvPr id="1" name=""/>
-        <p:cNvGrpSpPr/>
-        <p:nvPr/>
-      </p:nvGrpSpPr>
-      <p:grpSpPr>
-        <a:xfrm>
-          <a:off x="0" y="0"/>
-          <a:ext cx="0" cy="0"/>
-          <a:chOff x="0" y="0"/>
-          <a:chExt cx="0" cy="0"/>
-        </a:xfrm>
-      </p:grpSpPr>
-      <p:sp>
-        <p:nvSpPr>
-          <p:cNvPr id="2" name="Title 1"/>
-          <p:cNvSpPr>
-            <a:spLocks noGrp="1"/>
-          </p:cNvSpPr>
-          <p:nvPr>
-            <p:ph type="title"/>
-          </p:nvPr>
-        </p:nvSpPr>
-        <p:spPr>
-          <a:xfrm>
-            <a:off x="386535" y="1223755"/>
-            <a:ext cx="8595954" cy="4320481"/>
-          </a:xfrm>
-        </p:spPr>
-        <p:txBody>
-          <a:bodyPr/>
-          <a:lstStyle/>
-          <a:p>
-            <a:pPr algn="l"/>
-            <a:r>
-              <a:rPr lang="en-US" dirty="0">
-                <a:solidFill>
-                  <a:schemeClr val="tx1"/>
-                </a:solidFill>
-              </a:rPr>
-              <a:t>Have a look through the available data sources and APIs.  Choose one that interests you and make sure you can access it.  Next class we will be exploring your data and making sure you are able to work with it. </a:t>
-            </a:r>
-            <a:br>
-              <a:rPr lang="en-US" dirty="0">
-                <a:solidFill>
-                  <a:schemeClr val="tx1"/>
-                </a:solidFill>
-              </a:rPr>
-            </a:br>
-            <a:r>
-              <a:rPr lang="en-US" dirty="0">
-                <a:solidFill>
-                  <a:schemeClr val="tx1"/>
-                </a:solidFill>
-              </a:rPr>
-              <a:t/>
-            </a:r>
-            <a:br>
-              <a:rPr lang="en-US" dirty="0">
-                <a:solidFill>
-                  <a:schemeClr val="tx1"/>
-                </a:solidFill>
-              </a:rPr>
-            </a:br>
-            <a:r>
-              <a:rPr lang="en-US" dirty="0">
-                <a:solidFill>
-                  <a:schemeClr val="tx1"/>
-                </a:solidFill>
-              </a:rPr>
-              <a:t>Use this as an excuse to start thinking about your project. </a:t>
-            </a:r>
-          </a:p>
-        </p:txBody>
-      </p:sp>
-      <p:sp>
-        <p:nvSpPr>
-          <p:cNvPr id="3" name="Text Placeholder 2"/>
-          <p:cNvSpPr>
-            <a:spLocks noGrp="1"/>
-          </p:cNvSpPr>
-          <p:nvPr>
-            <p:ph type="body" sz="quarter" idx="10"/>
-          </p:nvPr>
-        </p:nvSpPr>
-        <p:spPr/>
-        <p:txBody>
-          <a:bodyPr/>
-          <a:lstStyle/>
-          <a:p>
-            <a:r>
-              <a:rPr lang="en-US" dirty="0"/>
-              <a:t>Homework</a:t>
-            </a:r>
-          </a:p>
-        </p:txBody>
-      </p:sp>
-    </p:spTree>
-    <p:extLst>
-      <p:ext uri="{BB962C8B-B14F-4D97-AF65-F5344CB8AC3E}">
-        <p14:creationId xmlns:p14="http://schemas.microsoft.com/office/powerpoint/2010/main" val="1049367348"/>
-      </p:ext>
-    </p:extLst>
-  </p:cSld>
-  <p:clrMapOvr>
-    <a:masterClrMapping/>
-  </p:clrMapOvr>
-  <p:timing>
-    <p:tnLst>
-      <p:par>
-        <p:cTn id="1" dur="indefinite" restart="never" nodeType="tmRoot"/>
-      </p:par>
-    </p:tnLst>
   </p:timing>
 </p:sld>
 </file>
